--- a/발표자료/1조 세미프로젝트_브리핑_강자연 수정.pptx
+++ b/발표자료/1조 세미프로젝트_브리핑_강자연 수정.pptx
@@ -5,7 +5,7 @@
     <p:sldMasterId id="2147483648" r:id="rId1"/>
   </p:sldMasterIdLst>
   <p:notesMasterIdLst>
-    <p:notesMasterId r:id="rId14"/>
+    <p:notesMasterId r:id="rId15"/>
   </p:notesMasterIdLst>
   <p:sldIdLst>
     <p:sldId id="257" r:id="rId2"/>
@@ -16,10 +16,11 @@
     <p:sldId id="293" r:id="rId7"/>
     <p:sldId id="289" r:id="rId8"/>
     <p:sldId id="296" r:id="rId9"/>
-    <p:sldId id="298" r:id="rId10"/>
-    <p:sldId id="297" r:id="rId11"/>
-    <p:sldId id="269" r:id="rId12"/>
-    <p:sldId id="259" r:id="rId13"/>
+    <p:sldId id="299" r:id="rId10"/>
+    <p:sldId id="298" r:id="rId11"/>
+    <p:sldId id="297" r:id="rId12"/>
+    <p:sldId id="269" r:id="rId13"/>
+    <p:sldId id="259" r:id="rId14"/>
   </p:sldIdLst>
   <p:sldSz cx="9144000" cy="6858000" type="screen4x3"/>
   <p:notesSz cx="6858000" cy="9144000"/>
@@ -643,33 +644,10 @@
         </p:nvSpPr>
         <p:spPr/>
         <p:txBody>
-          <a:bodyPr>
-            <a:normAutofit/>
-          </a:bodyPr>
-          <a:lstStyle/>
-          <a:p>
-            <a:pPr marL="0" marR="0" indent="0" algn="l" defTabSz="914400" rtl="0" eaLnBrk="1" fontAlgn="auto" latinLnBrk="1" hangingPunct="1">
-              <a:lnSpc>
-                <a:spcPct val="100000"/>
-              </a:lnSpc>
-              <a:spcBef>
-                <a:spcPts val="0"/>
-              </a:spcBef>
-              <a:spcAft>
-                <a:spcPts val="0"/>
-              </a:spcAft>
-              <a:buClrTx/>
-              <a:buSzTx/>
-              <a:buFontTx/>
-              <a:buNone/>
-              <a:tabLst/>
-              <a:defRPr/>
-            </a:pPr>
-            <a:r>
-              <a:rPr lang="en-US" altLang="ko-KR" sz="1200" dirty="0" smtClean="0"/>
-              <a:t>http://minheeblog.tistory.com/category/PPT</a:t>
-            </a:r>
-            <a:endParaRPr lang="ko-KR" altLang="en-US" sz="1200" dirty="0" smtClean="0"/>
+          <a:bodyPr/>
+          <a:lstStyle/>
+          <a:p>
+            <a:endParaRPr lang="ko-KR" altLang="en-US" dirty="0"/>
           </a:p>
         </p:txBody>
       </p:sp>
@@ -700,7 +678,7 @@
     </p:spTree>
     <p:extLst>
       <p:ext uri="{BB962C8B-B14F-4D97-AF65-F5344CB8AC3E}">
-        <p14:creationId xmlns:p14="http://schemas.microsoft.com/office/powerpoint/2010/main" val="2211440828"/>
+        <p14:creationId xmlns:p14="http://schemas.microsoft.com/office/powerpoint/2010/main" val="4201937391"/>
       </p:ext>
     </p:extLst>
   </p:cSld>
@@ -779,9 +757,6 @@
             </a:r>
             <a:endParaRPr lang="ko-KR" altLang="en-US" sz="1200" dirty="0" smtClean="0"/>
           </a:p>
-          <a:p>
-            <a:endParaRPr lang="ko-KR" altLang="en-US" dirty="0"/>
-          </a:p>
         </p:txBody>
       </p:sp>
       <p:sp>
@@ -803,6 +778,117 @@
               <a:rPr lang="ko-KR" altLang="en-US" smtClean="0"/>
               <a:pPr/>
               <a:t>12</a:t>
+            </a:fld>
+            <a:endParaRPr lang="ko-KR" altLang="en-US"/>
+          </a:p>
+        </p:txBody>
+      </p:sp>
+    </p:spTree>
+    <p:extLst>
+      <p:ext uri="{BB962C8B-B14F-4D97-AF65-F5344CB8AC3E}">
+        <p14:creationId xmlns:p14="http://schemas.microsoft.com/office/powerpoint/2010/main" val="2211440828"/>
+      </p:ext>
+    </p:extLst>
+  </p:cSld>
+  <p:clrMapOvr>
+    <a:masterClrMapping/>
+  </p:clrMapOvr>
+</p:notes>
+</file>
+
+<file path=ppt/notesSlides/notesSlide12.xml><?xml version="1.0" encoding="utf-8"?>
+<p:notes xmlns:a="http://schemas.openxmlformats.org/drawingml/2006/main" xmlns:r="http://schemas.openxmlformats.org/officeDocument/2006/relationships" xmlns:p="http://schemas.openxmlformats.org/presentationml/2006/main">
+  <p:cSld>
+    <p:spTree>
+      <p:nvGrpSpPr>
+        <p:cNvPr id="1" name=""/>
+        <p:cNvGrpSpPr/>
+        <p:nvPr/>
+      </p:nvGrpSpPr>
+      <p:grpSpPr>
+        <a:xfrm>
+          <a:off x="0" y="0"/>
+          <a:ext cx="0" cy="0"/>
+          <a:chOff x="0" y="0"/>
+          <a:chExt cx="0" cy="0"/>
+        </a:xfrm>
+      </p:grpSpPr>
+      <p:sp>
+        <p:nvSpPr>
+          <p:cNvPr id="2" name="슬라이드 이미지 개체 틀 1"/>
+          <p:cNvSpPr>
+            <a:spLocks noGrp="1" noRot="1" noChangeAspect="1"/>
+          </p:cNvSpPr>
+          <p:nvPr>
+            <p:ph type="sldImg"/>
+          </p:nvPr>
+        </p:nvSpPr>
+        <p:spPr/>
+      </p:sp>
+      <p:sp>
+        <p:nvSpPr>
+          <p:cNvPr id="3" name="슬라이드 노트 개체 틀 2"/>
+          <p:cNvSpPr>
+            <a:spLocks noGrp="1"/>
+          </p:cNvSpPr>
+          <p:nvPr>
+            <p:ph type="body" idx="1"/>
+          </p:nvPr>
+        </p:nvSpPr>
+        <p:spPr/>
+        <p:txBody>
+          <a:bodyPr>
+            <a:normAutofit/>
+          </a:bodyPr>
+          <a:lstStyle/>
+          <a:p>
+            <a:pPr marL="0" marR="0" indent="0" algn="l" defTabSz="914400" rtl="0" eaLnBrk="1" fontAlgn="auto" latinLnBrk="1" hangingPunct="1">
+              <a:lnSpc>
+                <a:spcPct val="100000"/>
+              </a:lnSpc>
+              <a:spcBef>
+                <a:spcPts val="0"/>
+              </a:spcBef>
+              <a:spcAft>
+                <a:spcPts val="0"/>
+              </a:spcAft>
+              <a:buClrTx/>
+              <a:buSzTx/>
+              <a:buFontTx/>
+              <a:buNone/>
+              <a:tabLst/>
+              <a:defRPr/>
+            </a:pPr>
+            <a:r>
+              <a:rPr lang="en-US" altLang="ko-KR" sz="1200" dirty="0" smtClean="0"/>
+              <a:t>http://minheeblog.tistory.com/category/PPT</a:t>
+            </a:r>
+            <a:endParaRPr lang="ko-KR" altLang="en-US" sz="1200" dirty="0" smtClean="0"/>
+          </a:p>
+          <a:p>
+            <a:endParaRPr lang="ko-KR" altLang="en-US" dirty="0"/>
+          </a:p>
+        </p:txBody>
+      </p:sp>
+      <p:sp>
+        <p:nvSpPr>
+          <p:cNvPr id="4" name="슬라이드 번호 개체 틀 3"/>
+          <p:cNvSpPr>
+            <a:spLocks noGrp="1"/>
+          </p:cNvSpPr>
+          <p:nvPr>
+            <p:ph type="sldNum" sz="quarter" idx="10"/>
+          </p:nvPr>
+        </p:nvSpPr>
+        <p:spPr/>
+        <p:txBody>
+          <a:bodyPr/>
+          <a:lstStyle/>
+          <a:p>
+            <a:fld id="{04A4E647-5A0F-41E6-A0EF-B58D8C1C6CD4}" type="slidenum">
+              <a:rPr lang="ko-KR" altLang="en-US" smtClean="0"/>
+              <a:pPr/>
+              <a:t>13</a:t>
             </a:fld>
             <a:endParaRPr lang="ko-KR" altLang="en-US"/>
           </a:p>
@@ -1484,7 +1570,7 @@
     </p:spTree>
     <p:extLst>
       <p:ext uri="{BB962C8B-B14F-4D97-AF65-F5344CB8AC3E}">
-        <p14:creationId xmlns:p14="http://schemas.microsoft.com/office/powerpoint/2010/main" val="478873286"/>
+        <p14:creationId xmlns:p14="http://schemas.microsoft.com/office/powerpoint/2010/main" val="3380372639"/>
       </p:ext>
     </p:extLst>
   </p:cSld>
@@ -1569,7 +1655,7 @@
     </p:spTree>
     <p:extLst>
       <p:ext uri="{BB962C8B-B14F-4D97-AF65-F5344CB8AC3E}">
-        <p14:creationId xmlns:p14="http://schemas.microsoft.com/office/powerpoint/2010/main" val="4201937391"/>
+        <p14:creationId xmlns:p14="http://schemas.microsoft.com/office/powerpoint/2010/main" val="478873286"/>
       </p:ext>
     </p:extLst>
   </p:cSld>
@@ -5193,164 +5279,6 @@
       </p:sp>
       <p:sp>
         <p:nvSpPr>
-          <p:cNvPr id="23" name="TextBox 22"/>
-          <p:cNvSpPr txBox="1"/>
-          <p:nvPr/>
-        </p:nvSpPr>
-        <p:spPr>
-          <a:xfrm>
-            <a:off x="706502" y="1888788"/>
-            <a:ext cx="8595091" cy="4247317"/>
-          </a:xfrm>
-          <a:prstGeom prst="rect">
-            <a:avLst/>
-          </a:prstGeom>
-          <a:noFill/>
-        </p:spPr>
-        <p:txBody>
-          <a:bodyPr wrap="square" rtlCol="0">
-            <a:spAutoFit/>
-          </a:bodyPr>
-          <a:lstStyle/>
-          <a:p>
-            <a:pPr marL="457200" indent="-457200" latinLnBrk="0">
-              <a:lnSpc>
-                <a:spcPct val="150000"/>
-              </a:lnSpc>
-              <a:buAutoNum type="arabicPeriod"/>
-            </a:pPr>
-            <a:r>
-              <a:rPr lang="ko-KR" altLang="en-US" b="1" dirty="0" smtClean="0"/>
-              <a:t>회귀 분석</a:t>
-            </a:r>
-            <a:endParaRPr lang="en-US" altLang="ko-KR" b="1" dirty="0" smtClean="0"/>
-          </a:p>
-          <a:p>
-            <a:pPr marL="914400" lvl="1" indent="-457200" latinLnBrk="0">
-              <a:lnSpc>
-                <a:spcPct val="150000"/>
-              </a:lnSpc>
-              <a:buFont typeface="Arial" panose="020B0604020202020204" pitchFamily="34" charset="0"/>
-              <a:buChar char="•"/>
-            </a:pPr>
-            <a:r>
-              <a:rPr lang="ko-KR" altLang="en-US" b="1" dirty="0" smtClean="0"/>
-              <a:t>날씨 영향 고려 선형회귀모형</a:t>
-            </a:r>
-            <a:endParaRPr lang="en-US" altLang="ko-KR" b="1" dirty="0" smtClean="0"/>
-          </a:p>
-          <a:p>
-            <a:pPr marL="457200" indent="-457200" latinLnBrk="0">
-              <a:lnSpc>
-                <a:spcPct val="150000"/>
-              </a:lnSpc>
-              <a:buAutoNum type="arabicPeriod"/>
-            </a:pPr>
-            <a:endParaRPr lang="en-US" altLang="ko-KR" b="1" dirty="0"/>
-          </a:p>
-          <a:p>
-            <a:pPr marL="457200" indent="-457200" latinLnBrk="0">
-              <a:lnSpc>
-                <a:spcPct val="150000"/>
-              </a:lnSpc>
-              <a:buAutoNum type="arabicPeriod"/>
-            </a:pPr>
-            <a:r>
-              <a:rPr lang="ko-KR" altLang="en-US" b="1" dirty="0" smtClean="0"/>
-              <a:t>평균</a:t>
-            </a:r>
-            <a:r>
-              <a:rPr lang="en-US" altLang="ko-KR" b="1" dirty="0" smtClean="0"/>
-              <a:t>/</a:t>
-            </a:r>
-            <a:r>
-              <a:rPr lang="ko-KR" altLang="en-US" b="1" dirty="0" smtClean="0"/>
-              <a:t>분산 비교</a:t>
-            </a:r>
-            <a:endParaRPr lang="en-US" altLang="ko-KR" b="1" dirty="0" smtClean="0"/>
-          </a:p>
-          <a:p>
-            <a:pPr marL="914400" lvl="1" indent="-457200" latinLnBrk="0">
-              <a:lnSpc>
-                <a:spcPct val="150000"/>
-              </a:lnSpc>
-              <a:buFont typeface="Arial" panose="020B0604020202020204" pitchFamily="34" charset="0"/>
-              <a:buChar char="•"/>
-            </a:pPr>
-            <a:r>
-              <a:rPr lang="ko-KR" altLang="en-US" b="1" dirty="0" smtClean="0"/>
-              <a:t>연령</a:t>
-            </a:r>
-            <a:r>
-              <a:rPr lang="en-US" altLang="ko-KR" b="1" dirty="0" smtClean="0"/>
-              <a:t>, </a:t>
-            </a:r>
-            <a:r>
-              <a:rPr lang="ko-KR" altLang="en-US" b="1" dirty="0" smtClean="0"/>
-              <a:t>성별 유의한 차이 확인</a:t>
-            </a:r>
-            <a:endParaRPr lang="en-US" altLang="ko-KR" b="1" dirty="0" smtClean="0"/>
-          </a:p>
-          <a:p>
-            <a:pPr marL="457200" indent="-457200" latinLnBrk="0">
-              <a:lnSpc>
-                <a:spcPct val="150000"/>
-              </a:lnSpc>
-              <a:buAutoNum type="arabicPeriod"/>
-            </a:pPr>
-            <a:endParaRPr lang="en-US" altLang="ko-KR" b="1" dirty="0" smtClean="0"/>
-          </a:p>
-          <a:p>
-            <a:pPr marL="457200" indent="-457200" latinLnBrk="0">
-              <a:lnSpc>
-                <a:spcPct val="150000"/>
-              </a:lnSpc>
-              <a:buAutoNum type="arabicPeriod"/>
-            </a:pPr>
-            <a:r>
-              <a:rPr lang="ko-KR" altLang="en-US" b="1" dirty="0" err="1" smtClean="0"/>
-              <a:t>시계열분석</a:t>
-            </a:r>
-            <a:endParaRPr lang="en-US" altLang="ko-KR" b="1" dirty="0" smtClean="0"/>
-          </a:p>
-          <a:p>
-            <a:pPr marL="914400" lvl="1" indent="-457200" latinLnBrk="0">
-              <a:lnSpc>
-                <a:spcPct val="150000"/>
-              </a:lnSpc>
-              <a:buFont typeface="Arial" panose="020B0604020202020204" pitchFamily="34" charset="0"/>
-              <a:buChar char="•"/>
-            </a:pPr>
-            <a:r>
-              <a:rPr lang="ko-KR" altLang="en-US" b="1" dirty="0" smtClean="0"/>
-              <a:t>미세먼지와 백화점 방문객 변화 추이 확인</a:t>
-            </a:r>
-            <a:endParaRPr lang="en-US" altLang="ko-KR" b="1" dirty="0" smtClean="0"/>
-          </a:p>
-          <a:p>
-            <a:pPr marL="914400" lvl="1" indent="-457200" latinLnBrk="0">
-              <a:lnSpc>
-                <a:spcPct val="150000"/>
-              </a:lnSpc>
-              <a:buFont typeface="Arial" panose="020B0604020202020204" pitchFamily="34" charset="0"/>
-              <a:buChar char="•"/>
-            </a:pPr>
-            <a:endParaRPr lang="en-US" altLang="ko-KR" b="1" dirty="0"/>
-          </a:p>
-          <a:p>
-            <a:pPr marL="457200" indent="-457200" latinLnBrk="0">
-              <a:lnSpc>
-                <a:spcPct val="150000"/>
-              </a:lnSpc>
-              <a:buFont typeface="Arial" panose="020B0604020202020204" pitchFamily="34" charset="0"/>
-              <a:buChar char="•"/>
-            </a:pPr>
-            <a:endParaRPr lang="en-US" altLang="ko-KR" b="1" dirty="0" smtClean="0"/>
-          </a:p>
-        </p:txBody>
-      </p:sp>
-      <p:sp>
-        <p:nvSpPr>
           <p:cNvPr id="24" name="TextBox 23"/>
           <p:cNvSpPr txBox="1"/>
           <p:nvPr/>
@@ -5429,7 +5357,7 @@
                 <a:latin typeface="+mj-lt"/>
                 <a:ea typeface="HY헤드라인M" pitchFamily="18" charset="-127"/>
               </a:rPr>
-              <a:t>분석 방법론</a:t>
+              <a:t>데이터 전처리</a:t>
             </a:r>
             <a:endParaRPr lang="ko-KR" altLang="en-US" sz="3200" b="1" spc="-150" dirty="0">
               <a:solidFill>
@@ -6170,6 +6098,1472 @@
           </a:graphicData>
         </a:graphic>
       </p:graphicFrame>
+      <p:pic>
+        <p:nvPicPr>
+          <p:cNvPr id="5" name="그림 4"/>
+          <p:cNvPicPr>
+            <a:picLocks noChangeAspect="1"/>
+          </p:cNvPicPr>
+          <p:nvPr/>
+        </p:nvPicPr>
+        <p:blipFill rotWithShape="1">
+          <a:blip r:embed="rId3"/>
+          <a:srcRect l="1984" t="4885" r="4027" b="3665"/>
+          <a:stretch/>
+        </p:blipFill>
+        <p:spPr>
+          <a:xfrm>
+            <a:off x="1134852" y="1933733"/>
+            <a:ext cx="5184576" cy="3943539"/>
+          </a:xfrm>
+          <a:prstGeom prst="rect">
+            <a:avLst/>
+          </a:prstGeom>
+        </p:spPr>
+      </p:pic>
+      <p:sp>
+        <p:nvSpPr>
+          <p:cNvPr id="25" name="TextBox 24"/>
+          <p:cNvSpPr txBox="1"/>
+          <p:nvPr/>
+        </p:nvSpPr>
+        <p:spPr>
+          <a:xfrm>
+            <a:off x="850518" y="5386248"/>
+            <a:ext cx="7825938" cy="869790"/>
+          </a:xfrm>
+          <a:prstGeom prst="rect">
+            <a:avLst/>
+          </a:prstGeom>
+          <a:noFill/>
+        </p:spPr>
+        <p:txBody>
+          <a:bodyPr wrap="square" rtlCol="0">
+            <a:spAutoFit/>
+          </a:bodyPr>
+          <a:lstStyle/>
+          <a:p>
+            <a:pPr algn="r" latinLnBrk="0">
+              <a:lnSpc>
+                <a:spcPct val="150000"/>
+              </a:lnSpc>
+            </a:pPr>
+            <a:r>
+              <a:rPr lang="ko-KR" altLang="en-US" b="1" dirty="0" smtClean="0"/>
+              <a:t>약 </a:t>
+            </a:r>
+            <a:r>
+              <a:rPr lang="en-US" altLang="ko-KR" b="1" dirty="0" smtClean="0"/>
+              <a:t>19,000</a:t>
+            </a:r>
+            <a:r>
+              <a:rPr lang="ko-KR" altLang="en-US" b="1" dirty="0" smtClean="0"/>
+              <a:t>개의 </a:t>
+            </a:r>
+            <a:r>
+              <a:rPr lang="ko-KR" altLang="en-US" b="1" dirty="0" err="1" smtClean="0"/>
+              <a:t>집계구</a:t>
+            </a:r>
+            <a:endParaRPr lang="en-US" altLang="ko-KR" b="1" dirty="0"/>
+          </a:p>
+          <a:p>
+            <a:pPr algn="r" latinLnBrk="0">
+              <a:lnSpc>
+                <a:spcPct val="150000"/>
+              </a:lnSpc>
+            </a:pPr>
+            <a:r>
+              <a:rPr lang="ko-KR" altLang="en-US" b="1" dirty="0" smtClean="0"/>
+              <a:t>서울시 </a:t>
+            </a:r>
+            <a:r>
+              <a:rPr lang="en-US" altLang="ko-KR" b="1" dirty="0" smtClean="0"/>
+              <a:t>24</a:t>
+            </a:r>
+            <a:r>
+              <a:rPr lang="ko-KR" altLang="en-US" b="1" dirty="0" smtClean="0"/>
+              <a:t>개 구를 인구 수준 등으로 세분화</a:t>
+            </a:r>
+            <a:endParaRPr lang="en-US" altLang="ko-KR" b="1" dirty="0" smtClean="0"/>
+          </a:p>
+        </p:txBody>
+      </p:sp>
+    </p:spTree>
+    <p:extLst>
+      <p:ext uri="{BB962C8B-B14F-4D97-AF65-F5344CB8AC3E}">
+        <p14:creationId xmlns:p14="http://schemas.microsoft.com/office/powerpoint/2010/main" val="1277475319"/>
+      </p:ext>
+    </p:extLst>
+  </p:cSld>
+  <p:clrMapOvr>
+    <a:masterClrMapping/>
+  </p:clrMapOvr>
+  <p:timing>
+    <p:tnLst>
+      <p:par>
+        <p:cTn id="1" dur="indefinite" restart="never" nodeType="tmRoot"/>
+      </p:par>
+    </p:tnLst>
+  </p:timing>
+</p:sld>
+</file>
+
+<file path=ppt/slides/slide11.xml><?xml version="1.0" encoding="utf-8"?>
+<p:sld xmlns:a="http://schemas.openxmlformats.org/drawingml/2006/main" xmlns:r="http://schemas.openxmlformats.org/officeDocument/2006/relationships" xmlns:p="http://schemas.openxmlformats.org/presentationml/2006/main">
+  <p:cSld>
+    <p:bg>
+      <p:bgPr>
+        <a:solidFill>
+          <a:srgbClr val="17375E"/>
+        </a:solidFill>
+        <a:effectLst/>
+      </p:bgPr>
+    </p:bg>
+    <p:spTree>
+      <p:nvGrpSpPr>
+        <p:cNvPr id="1" name=""/>
+        <p:cNvGrpSpPr/>
+        <p:nvPr/>
+      </p:nvGrpSpPr>
+      <p:grpSpPr>
+        <a:xfrm>
+          <a:off x="0" y="0"/>
+          <a:ext cx="0" cy="0"/>
+          <a:chOff x="0" y="0"/>
+          <a:chExt cx="0" cy="0"/>
+        </a:xfrm>
+      </p:grpSpPr>
+      <p:sp>
+        <p:nvSpPr>
+          <p:cNvPr id="2" name="직사각형 1"/>
+          <p:cNvSpPr/>
+          <p:nvPr/>
+        </p:nvSpPr>
+        <p:spPr>
+          <a:xfrm>
+            <a:off x="251520" y="620688"/>
+            <a:ext cx="8640960" cy="5976664"/>
+          </a:xfrm>
+          <a:prstGeom prst="rect">
+            <a:avLst/>
+          </a:prstGeom>
+          <a:solidFill>
+            <a:schemeClr val="bg1"/>
+          </a:solidFill>
+          <a:ln>
+            <a:noFill/>
+          </a:ln>
+        </p:spPr>
+        <p:style>
+          <a:lnRef idx="2">
+            <a:schemeClr val="accent1">
+              <a:shade val="50000"/>
+            </a:schemeClr>
+          </a:lnRef>
+          <a:fillRef idx="1">
+            <a:schemeClr val="accent1"/>
+          </a:fillRef>
+          <a:effectRef idx="0">
+            <a:schemeClr val="accent1"/>
+          </a:effectRef>
+          <a:fontRef idx="minor">
+            <a:schemeClr val="lt1"/>
+          </a:fontRef>
+        </p:style>
+        <p:txBody>
+          <a:bodyPr rtlCol="0" anchor="ctr"/>
+          <a:lstStyle/>
+          <a:p>
+            <a:pPr algn="ctr"/>
+            <a:endParaRPr lang="ko-KR" altLang="en-US"/>
+          </a:p>
+        </p:txBody>
+      </p:sp>
+      <p:sp>
+        <p:nvSpPr>
+          <p:cNvPr id="3" name="타원 2"/>
+          <p:cNvSpPr/>
+          <p:nvPr/>
+        </p:nvSpPr>
+        <p:spPr>
+          <a:xfrm>
+            <a:off x="4067944" y="74100"/>
+            <a:ext cx="936104" cy="936104"/>
+          </a:xfrm>
+          <a:prstGeom prst="ellipse">
+            <a:avLst/>
+          </a:prstGeom>
+          <a:solidFill>
+            <a:schemeClr val="tx2">
+              <a:lumMod val="75000"/>
+            </a:schemeClr>
+          </a:solidFill>
+          <a:ln>
+            <a:noFill/>
+          </a:ln>
+        </p:spPr>
+        <p:style>
+          <a:lnRef idx="2">
+            <a:schemeClr val="accent1">
+              <a:shade val="50000"/>
+            </a:schemeClr>
+          </a:lnRef>
+          <a:fillRef idx="1">
+            <a:schemeClr val="accent1"/>
+          </a:fillRef>
+          <a:effectRef idx="0">
+            <a:schemeClr val="accent1"/>
+          </a:effectRef>
+          <a:fontRef idx="minor">
+            <a:schemeClr val="lt1"/>
+          </a:fontRef>
+        </p:style>
+        <p:txBody>
+          <a:bodyPr rtlCol="0" anchor="ctr"/>
+          <a:lstStyle/>
+          <a:p>
+            <a:pPr algn="ctr"/>
+            <a:endParaRPr lang="ko-KR" altLang="en-US"/>
+          </a:p>
+        </p:txBody>
+      </p:sp>
+      <p:sp>
+        <p:nvSpPr>
+          <p:cNvPr id="4" name="TextBox 3"/>
+          <p:cNvSpPr txBox="1"/>
+          <p:nvPr/>
+        </p:nvSpPr>
+        <p:spPr>
+          <a:xfrm>
+            <a:off x="3995936" y="479095"/>
+            <a:ext cx="1080120" cy="461665"/>
+          </a:xfrm>
+          <a:prstGeom prst="rect">
+            <a:avLst/>
+          </a:prstGeom>
+          <a:noFill/>
+        </p:spPr>
+        <p:txBody>
+          <a:bodyPr wrap="square" rtlCol="0">
+            <a:spAutoFit/>
+          </a:bodyPr>
+          <a:lstStyle/>
+          <a:p>
+            <a:pPr algn="ctr"/>
+            <a:r>
+              <a:rPr lang="en-US" altLang="ko-KR" sz="2400" dirty="0" smtClean="0">
+                <a:solidFill>
+                  <a:schemeClr val="bg1"/>
+                </a:solidFill>
+                <a:latin typeface="HY헤드라인M" pitchFamily="18" charset="-127"/>
+                <a:ea typeface="HY헤드라인M" pitchFamily="18" charset="-127"/>
+              </a:rPr>
+              <a:t>02</a:t>
+            </a:r>
+            <a:endParaRPr lang="ko-KR" altLang="en-US" sz="2400" dirty="0">
+              <a:solidFill>
+                <a:schemeClr val="bg1"/>
+              </a:solidFill>
+              <a:latin typeface="HY헤드라인M" pitchFamily="18" charset="-127"/>
+              <a:ea typeface="HY헤드라인M" pitchFamily="18" charset="-127"/>
+            </a:endParaRPr>
+          </a:p>
+        </p:txBody>
+      </p:sp>
+      <p:sp>
+        <p:nvSpPr>
+          <p:cNvPr id="10" name="직사각형 9"/>
+          <p:cNvSpPr/>
+          <p:nvPr/>
+        </p:nvSpPr>
+        <p:spPr>
+          <a:xfrm>
+            <a:off x="524832" y="179348"/>
+            <a:ext cx="1742911" cy="369332"/>
+          </a:xfrm>
+          <a:prstGeom prst="rect">
+            <a:avLst/>
+          </a:prstGeom>
+        </p:spPr>
+        <p:txBody>
+          <a:bodyPr wrap="square">
+            <a:spAutoFit/>
+          </a:bodyPr>
+          <a:lstStyle/>
+          <a:p>
+            <a:pPr algn="ctr"/>
+            <a:r>
+              <a:rPr lang="en-US" altLang="ko-KR" b="1" spc="-150" dirty="0" smtClean="0">
+                <a:solidFill>
+                  <a:schemeClr val="bg1"/>
+                </a:solidFill>
+              </a:rPr>
+              <a:t>03.  H O W</a:t>
+            </a:r>
+            <a:endParaRPr lang="ko-KR" altLang="en-US" b="1" spc="-150" dirty="0">
+              <a:solidFill>
+                <a:schemeClr val="bg1"/>
+              </a:solidFill>
+            </a:endParaRPr>
+          </a:p>
+        </p:txBody>
+      </p:sp>
+      <p:sp>
+        <p:nvSpPr>
+          <p:cNvPr id="11" name="TextBox 10"/>
+          <p:cNvSpPr txBox="1"/>
+          <p:nvPr/>
+        </p:nvSpPr>
+        <p:spPr>
+          <a:xfrm>
+            <a:off x="5364088" y="271681"/>
+            <a:ext cx="3600400" cy="276999"/>
+          </a:xfrm>
+          <a:prstGeom prst="rect">
+            <a:avLst/>
+          </a:prstGeom>
+          <a:noFill/>
+        </p:spPr>
+        <p:txBody>
+          <a:bodyPr wrap="square" rtlCol="0">
+            <a:spAutoFit/>
+          </a:bodyPr>
+          <a:lstStyle/>
+          <a:p>
+            <a:pPr algn="dist"/>
+            <a:r>
+              <a:rPr lang="ko-KR" altLang="en-US" sz="1200" dirty="0" smtClean="0">
+                <a:solidFill>
+                  <a:schemeClr val="bg1"/>
+                </a:solidFill>
+              </a:rPr>
+              <a:t>날씨에 따른 백화점 유인효과 분석</a:t>
+            </a:r>
+          </a:p>
+        </p:txBody>
+      </p:sp>
+      <p:sp>
+        <p:nvSpPr>
+          <p:cNvPr id="20" name="TextBox 19"/>
+          <p:cNvSpPr txBox="1"/>
+          <p:nvPr/>
+        </p:nvSpPr>
+        <p:spPr>
+          <a:xfrm>
+            <a:off x="7164288" y="6546830"/>
+            <a:ext cx="1728192" cy="338554"/>
+          </a:xfrm>
+          <a:prstGeom prst="rect">
+            <a:avLst/>
+          </a:prstGeom>
+          <a:noFill/>
+        </p:spPr>
+        <p:txBody>
+          <a:bodyPr wrap="square" rtlCol="0">
+            <a:spAutoFit/>
+          </a:bodyPr>
+          <a:lstStyle/>
+          <a:p>
+            <a:pPr algn="r"/>
+            <a:r>
+              <a:rPr lang="en-US" altLang="ko-KR" sz="1600" dirty="0" smtClean="0">
+                <a:solidFill>
+                  <a:schemeClr val="bg1">
+                    <a:lumMod val="75000"/>
+                  </a:schemeClr>
+                </a:solidFill>
+              </a:rPr>
+              <a:t>Happy Bean</a:t>
+            </a:r>
+            <a:endParaRPr lang="ko-KR" altLang="en-US" sz="1600" dirty="0">
+              <a:solidFill>
+                <a:schemeClr val="bg1">
+                  <a:lumMod val="75000"/>
+                </a:schemeClr>
+              </a:solidFill>
+            </a:endParaRPr>
+          </a:p>
+        </p:txBody>
+      </p:sp>
+      <p:cxnSp>
+        <p:nvCxnSpPr>
+          <p:cNvPr id="22" name="직선 연결선 21"/>
+          <p:cNvCxnSpPr/>
+          <p:nvPr/>
+        </p:nvCxnSpPr>
+        <p:spPr>
+          <a:xfrm>
+            <a:off x="4788024" y="1209527"/>
+            <a:ext cx="4176464" cy="0"/>
+          </a:xfrm>
+          <a:prstGeom prst="line">
+            <a:avLst/>
+          </a:prstGeom>
+          <a:ln>
+            <a:gradFill>
+              <a:gsLst>
+                <a:gs pos="0">
+                  <a:schemeClr val="bg1"/>
+                </a:gs>
+                <a:gs pos="50000">
+                  <a:schemeClr val="bg1">
+                    <a:lumMod val="50000"/>
+                  </a:schemeClr>
+                </a:gs>
+                <a:gs pos="100000">
+                  <a:schemeClr val="bg1"/>
+                </a:gs>
+              </a:gsLst>
+              <a:lin ang="10800000" scaled="0"/>
+            </a:gradFill>
+          </a:ln>
+        </p:spPr>
+        <p:style>
+          <a:lnRef idx="1">
+            <a:schemeClr val="dk1"/>
+          </a:lnRef>
+          <a:fillRef idx="0">
+            <a:schemeClr val="dk1"/>
+          </a:fillRef>
+          <a:effectRef idx="0">
+            <a:schemeClr val="dk1"/>
+          </a:effectRef>
+          <a:fontRef idx="minor">
+            <a:schemeClr val="tx1"/>
+          </a:fontRef>
+        </p:style>
+      </p:cxnSp>
+      <p:sp>
+        <p:nvSpPr>
+          <p:cNvPr id="19" name="직사각형 18"/>
+          <p:cNvSpPr/>
+          <p:nvPr/>
+        </p:nvSpPr>
+        <p:spPr>
+          <a:xfrm>
+            <a:off x="524832" y="1784704"/>
+            <a:ext cx="8151624" cy="4524616"/>
+          </a:xfrm>
+          <a:prstGeom prst="rect">
+            <a:avLst/>
+          </a:prstGeom>
+          <a:solidFill>
+            <a:schemeClr val="bg1">
+              <a:lumMod val="95000"/>
+            </a:schemeClr>
+          </a:solidFill>
+          <a:ln>
+            <a:solidFill>
+              <a:schemeClr val="bg1">
+                <a:lumMod val="50000"/>
+              </a:schemeClr>
+            </a:solidFill>
+          </a:ln>
+        </p:spPr>
+        <p:style>
+          <a:lnRef idx="2">
+            <a:schemeClr val="accent1">
+              <a:shade val="50000"/>
+            </a:schemeClr>
+          </a:lnRef>
+          <a:fillRef idx="1">
+            <a:schemeClr val="accent1"/>
+          </a:fillRef>
+          <a:effectRef idx="0">
+            <a:schemeClr val="accent1"/>
+          </a:effectRef>
+          <a:fontRef idx="minor">
+            <a:schemeClr val="lt1"/>
+          </a:fontRef>
+        </p:style>
+        <p:txBody>
+          <a:bodyPr rtlCol="0" anchor="ctr"/>
+          <a:lstStyle/>
+          <a:p>
+            <a:pPr algn="ctr"/>
+            <a:endParaRPr lang="ko-KR" altLang="en-US"/>
+          </a:p>
+        </p:txBody>
+      </p:sp>
+      <p:sp>
+        <p:nvSpPr>
+          <p:cNvPr id="23" name="TextBox 22"/>
+          <p:cNvSpPr txBox="1"/>
+          <p:nvPr/>
+        </p:nvSpPr>
+        <p:spPr>
+          <a:xfrm>
+            <a:off x="706502" y="1888788"/>
+            <a:ext cx="8595091" cy="4247317"/>
+          </a:xfrm>
+          <a:prstGeom prst="rect">
+            <a:avLst/>
+          </a:prstGeom>
+          <a:noFill/>
+        </p:spPr>
+        <p:txBody>
+          <a:bodyPr wrap="square" rtlCol="0">
+            <a:spAutoFit/>
+          </a:bodyPr>
+          <a:lstStyle/>
+          <a:p>
+            <a:pPr marL="457200" indent="-457200" latinLnBrk="0">
+              <a:lnSpc>
+                <a:spcPct val="150000"/>
+              </a:lnSpc>
+              <a:buAutoNum type="arabicPeriod"/>
+            </a:pPr>
+            <a:r>
+              <a:rPr lang="ko-KR" altLang="en-US" b="1" dirty="0" smtClean="0"/>
+              <a:t>회귀 분석</a:t>
+            </a:r>
+            <a:endParaRPr lang="en-US" altLang="ko-KR" b="1" dirty="0" smtClean="0"/>
+          </a:p>
+          <a:p>
+            <a:pPr marL="914400" lvl="1" indent="-457200" latinLnBrk="0">
+              <a:lnSpc>
+                <a:spcPct val="150000"/>
+              </a:lnSpc>
+              <a:buFont typeface="Arial" panose="020B0604020202020204" pitchFamily="34" charset="0"/>
+              <a:buChar char="•"/>
+            </a:pPr>
+            <a:r>
+              <a:rPr lang="ko-KR" altLang="en-US" b="1" dirty="0" smtClean="0"/>
+              <a:t>날씨 영향 고려 선형회귀모형</a:t>
+            </a:r>
+            <a:endParaRPr lang="en-US" altLang="ko-KR" b="1" dirty="0" smtClean="0"/>
+          </a:p>
+          <a:p>
+            <a:pPr marL="457200" indent="-457200" latinLnBrk="0">
+              <a:lnSpc>
+                <a:spcPct val="150000"/>
+              </a:lnSpc>
+              <a:buAutoNum type="arabicPeriod"/>
+            </a:pPr>
+            <a:endParaRPr lang="en-US" altLang="ko-KR" b="1" dirty="0"/>
+          </a:p>
+          <a:p>
+            <a:pPr marL="457200" indent="-457200" latinLnBrk="0">
+              <a:lnSpc>
+                <a:spcPct val="150000"/>
+              </a:lnSpc>
+              <a:buAutoNum type="arabicPeriod"/>
+            </a:pPr>
+            <a:r>
+              <a:rPr lang="ko-KR" altLang="en-US" b="1" dirty="0" smtClean="0"/>
+              <a:t>평균</a:t>
+            </a:r>
+            <a:r>
+              <a:rPr lang="en-US" altLang="ko-KR" b="1" dirty="0" smtClean="0"/>
+              <a:t>/</a:t>
+            </a:r>
+            <a:r>
+              <a:rPr lang="ko-KR" altLang="en-US" b="1" dirty="0" smtClean="0"/>
+              <a:t>분산 비교</a:t>
+            </a:r>
+            <a:endParaRPr lang="en-US" altLang="ko-KR" b="1" dirty="0" smtClean="0"/>
+          </a:p>
+          <a:p>
+            <a:pPr marL="914400" lvl="1" indent="-457200" latinLnBrk="0">
+              <a:lnSpc>
+                <a:spcPct val="150000"/>
+              </a:lnSpc>
+              <a:buFont typeface="Arial" panose="020B0604020202020204" pitchFamily="34" charset="0"/>
+              <a:buChar char="•"/>
+            </a:pPr>
+            <a:r>
+              <a:rPr lang="ko-KR" altLang="en-US" b="1" dirty="0" smtClean="0"/>
+              <a:t>연령</a:t>
+            </a:r>
+            <a:r>
+              <a:rPr lang="en-US" altLang="ko-KR" b="1" dirty="0" smtClean="0"/>
+              <a:t>, </a:t>
+            </a:r>
+            <a:r>
+              <a:rPr lang="ko-KR" altLang="en-US" b="1" dirty="0" smtClean="0"/>
+              <a:t>성별 유의한 차이 확인</a:t>
+            </a:r>
+            <a:endParaRPr lang="en-US" altLang="ko-KR" b="1" dirty="0" smtClean="0"/>
+          </a:p>
+          <a:p>
+            <a:pPr marL="457200" indent="-457200" latinLnBrk="0">
+              <a:lnSpc>
+                <a:spcPct val="150000"/>
+              </a:lnSpc>
+              <a:buAutoNum type="arabicPeriod"/>
+            </a:pPr>
+            <a:endParaRPr lang="en-US" altLang="ko-KR" b="1" dirty="0" smtClean="0"/>
+          </a:p>
+          <a:p>
+            <a:pPr marL="457200" indent="-457200" latinLnBrk="0">
+              <a:lnSpc>
+                <a:spcPct val="150000"/>
+              </a:lnSpc>
+              <a:buAutoNum type="arabicPeriod"/>
+            </a:pPr>
+            <a:r>
+              <a:rPr lang="ko-KR" altLang="en-US" b="1" dirty="0" err="1" smtClean="0"/>
+              <a:t>시계열분석</a:t>
+            </a:r>
+            <a:endParaRPr lang="en-US" altLang="ko-KR" b="1" dirty="0" smtClean="0"/>
+          </a:p>
+          <a:p>
+            <a:pPr marL="914400" lvl="1" indent="-457200" latinLnBrk="0">
+              <a:lnSpc>
+                <a:spcPct val="150000"/>
+              </a:lnSpc>
+              <a:buFont typeface="Arial" panose="020B0604020202020204" pitchFamily="34" charset="0"/>
+              <a:buChar char="•"/>
+            </a:pPr>
+            <a:r>
+              <a:rPr lang="ko-KR" altLang="en-US" b="1" dirty="0" smtClean="0"/>
+              <a:t>미세먼지와 백화점 방문객 변화 추이 확인</a:t>
+            </a:r>
+            <a:endParaRPr lang="en-US" altLang="ko-KR" b="1" dirty="0" smtClean="0"/>
+          </a:p>
+          <a:p>
+            <a:pPr marL="914400" lvl="1" indent="-457200" latinLnBrk="0">
+              <a:lnSpc>
+                <a:spcPct val="150000"/>
+              </a:lnSpc>
+              <a:buFont typeface="Arial" panose="020B0604020202020204" pitchFamily="34" charset="0"/>
+              <a:buChar char="•"/>
+            </a:pPr>
+            <a:endParaRPr lang="en-US" altLang="ko-KR" b="1" dirty="0"/>
+          </a:p>
+          <a:p>
+            <a:pPr marL="457200" indent="-457200" latinLnBrk="0">
+              <a:lnSpc>
+                <a:spcPct val="150000"/>
+              </a:lnSpc>
+              <a:buFont typeface="Arial" panose="020B0604020202020204" pitchFamily="34" charset="0"/>
+              <a:buChar char="•"/>
+            </a:pPr>
+            <a:endParaRPr lang="en-US" altLang="ko-KR" b="1" dirty="0" smtClean="0"/>
+          </a:p>
+        </p:txBody>
+      </p:sp>
+      <p:sp>
+        <p:nvSpPr>
+          <p:cNvPr id="24" name="TextBox 23"/>
+          <p:cNvSpPr txBox="1"/>
+          <p:nvPr/>
+        </p:nvSpPr>
+        <p:spPr>
+          <a:xfrm>
+            <a:off x="-1404664" y="940760"/>
+            <a:ext cx="7200800" cy="1015663"/>
+          </a:xfrm>
+          <a:prstGeom prst="rect">
+            <a:avLst/>
+          </a:prstGeom>
+          <a:noFill/>
+        </p:spPr>
+        <p:txBody>
+          <a:bodyPr wrap="square" rtlCol="0">
+            <a:spAutoFit/>
+          </a:bodyPr>
+          <a:lstStyle/>
+          <a:p>
+            <a:pPr algn="ctr"/>
+            <a:r>
+              <a:rPr lang="en-US" altLang="ko-KR" sz="6000" dirty="0" smtClean="0">
+                <a:solidFill>
+                  <a:schemeClr val="bg1">
+                    <a:lumMod val="75000"/>
+                  </a:schemeClr>
+                </a:solidFill>
+                <a:latin typeface="HY헤드라인M" pitchFamily="18" charset="-127"/>
+                <a:ea typeface="HY헤드라인M" pitchFamily="18" charset="-127"/>
+              </a:rPr>
+              <a:t>“           ”</a:t>
+            </a:r>
+            <a:endParaRPr lang="ko-KR" altLang="en-US" sz="6000" dirty="0">
+              <a:solidFill>
+                <a:schemeClr val="bg1">
+                  <a:lumMod val="75000"/>
+                </a:schemeClr>
+              </a:solidFill>
+              <a:latin typeface="HY헤드라인M" pitchFamily="18" charset="-127"/>
+              <a:ea typeface="HY헤드라인M" pitchFamily="18" charset="-127"/>
+            </a:endParaRPr>
+          </a:p>
+        </p:txBody>
+      </p:sp>
+      <p:sp>
+        <p:nvSpPr>
+          <p:cNvPr id="26" name="TextBox 25"/>
+          <p:cNvSpPr txBox="1"/>
+          <p:nvPr/>
+        </p:nvSpPr>
+        <p:spPr>
+          <a:xfrm>
+            <a:off x="35496" y="1012768"/>
+            <a:ext cx="4320480" cy="584775"/>
+          </a:xfrm>
+          <a:prstGeom prst="rect">
+            <a:avLst/>
+          </a:prstGeom>
+          <a:noFill/>
+        </p:spPr>
+        <p:txBody>
+          <a:bodyPr wrap="square" rtlCol="0">
+            <a:spAutoFit/>
+          </a:bodyPr>
+          <a:lstStyle/>
+          <a:p>
+            <a:pPr algn="ctr"/>
+            <a:r>
+              <a:rPr lang="ko-KR" altLang="en-US" sz="3200" b="1" spc="-150" dirty="0" smtClean="0">
+                <a:solidFill>
+                  <a:schemeClr val="tx2">
+                    <a:lumMod val="75000"/>
+                  </a:schemeClr>
+                </a:solidFill>
+                <a:latin typeface="+mj-lt"/>
+                <a:ea typeface="HY헤드라인M" pitchFamily="18" charset="-127"/>
+              </a:rPr>
+              <a:t>분석 방법론</a:t>
+            </a:r>
+            <a:endParaRPr lang="ko-KR" altLang="en-US" sz="3200" b="1" spc="-150" dirty="0">
+              <a:solidFill>
+                <a:schemeClr val="tx2">
+                  <a:lumMod val="75000"/>
+                </a:schemeClr>
+              </a:solidFill>
+              <a:latin typeface="+mj-lt"/>
+              <a:ea typeface="HY헤드라인M" pitchFamily="18" charset="-127"/>
+            </a:endParaRPr>
+          </a:p>
+        </p:txBody>
+      </p:sp>
+      <p:sp>
+        <p:nvSpPr>
+          <p:cNvPr id="16" name="TextBox 15"/>
+          <p:cNvSpPr txBox="1"/>
+          <p:nvPr/>
+        </p:nvSpPr>
+        <p:spPr>
+          <a:xfrm>
+            <a:off x="12328326" y="6288640"/>
+            <a:ext cx="1728192" cy="338554"/>
+          </a:xfrm>
+          <a:prstGeom prst="rect">
+            <a:avLst/>
+          </a:prstGeom>
+          <a:noFill/>
+        </p:spPr>
+        <p:txBody>
+          <a:bodyPr wrap="square" rtlCol="0">
+            <a:spAutoFit/>
+          </a:bodyPr>
+          <a:lstStyle/>
+          <a:p>
+            <a:pPr algn="r"/>
+            <a:r>
+              <a:rPr lang="en-US" altLang="ko-KR" sz="1600" dirty="0" smtClean="0">
+                <a:solidFill>
+                  <a:schemeClr val="bg1">
+                    <a:lumMod val="75000"/>
+                  </a:schemeClr>
+                </a:solidFill>
+              </a:rPr>
+              <a:t>Happy Bean</a:t>
+            </a:r>
+            <a:endParaRPr lang="ko-KR" altLang="en-US" sz="1600" dirty="0">
+              <a:solidFill>
+                <a:schemeClr val="bg1">
+                  <a:lumMod val="75000"/>
+                </a:schemeClr>
+              </a:solidFill>
+            </a:endParaRPr>
+          </a:p>
+        </p:txBody>
+      </p:sp>
+      <p:sp>
+        <p:nvSpPr>
+          <p:cNvPr id="17" name="TextBox 16"/>
+          <p:cNvSpPr txBox="1"/>
+          <p:nvPr/>
+        </p:nvSpPr>
+        <p:spPr>
+          <a:xfrm>
+            <a:off x="9684568" y="403097"/>
+            <a:ext cx="4320480" cy="584775"/>
+          </a:xfrm>
+          <a:prstGeom prst="rect">
+            <a:avLst/>
+          </a:prstGeom>
+          <a:noFill/>
+        </p:spPr>
+        <p:txBody>
+          <a:bodyPr wrap="square" rtlCol="0">
+            <a:spAutoFit/>
+          </a:bodyPr>
+          <a:lstStyle/>
+          <a:p>
+            <a:pPr algn="ctr"/>
+            <a:r>
+              <a:rPr lang="ko-KR" altLang="en-US" sz="3200" b="1" spc="-150" dirty="0" smtClean="0">
+                <a:solidFill>
+                  <a:schemeClr val="tx2">
+                    <a:lumMod val="75000"/>
+                  </a:schemeClr>
+                </a:solidFill>
+                <a:latin typeface="+mj-lt"/>
+                <a:ea typeface="HY헤드라인M" pitchFamily="18" charset="-127"/>
+              </a:rPr>
+              <a:t>데이터 전처리  </a:t>
+            </a:r>
+            <a:endParaRPr lang="ko-KR" altLang="en-US" sz="3200" b="1" spc="-150" dirty="0">
+              <a:solidFill>
+                <a:schemeClr val="tx2">
+                  <a:lumMod val="75000"/>
+                </a:schemeClr>
+              </a:solidFill>
+              <a:latin typeface="+mj-lt"/>
+              <a:ea typeface="HY헤드라인M" pitchFamily="18" charset="-127"/>
+            </a:endParaRPr>
+          </a:p>
+        </p:txBody>
+      </p:sp>
+      <p:cxnSp>
+        <p:nvCxnSpPr>
+          <p:cNvPr id="18" name="직선 연결선 17"/>
+          <p:cNvCxnSpPr/>
+          <p:nvPr/>
+        </p:nvCxnSpPr>
+        <p:spPr>
+          <a:xfrm>
+            <a:off x="9952062" y="951337"/>
+            <a:ext cx="4176464" cy="0"/>
+          </a:xfrm>
+          <a:prstGeom prst="line">
+            <a:avLst/>
+          </a:prstGeom>
+          <a:ln>
+            <a:gradFill>
+              <a:gsLst>
+                <a:gs pos="0">
+                  <a:schemeClr val="bg1"/>
+                </a:gs>
+                <a:gs pos="50000">
+                  <a:schemeClr val="bg1">
+                    <a:lumMod val="50000"/>
+                  </a:schemeClr>
+                </a:gs>
+                <a:gs pos="100000">
+                  <a:schemeClr val="bg1"/>
+                </a:gs>
+              </a:gsLst>
+              <a:lin ang="10800000" scaled="0"/>
+            </a:gradFill>
+          </a:ln>
+        </p:spPr>
+        <p:style>
+          <a:lnRef idx="1">
+            <a:schemeClr val="dk1"/>
+          </a:lnRef>
+          <a:fillRef idx="0">
+            <a:schemeClr val="dk1"/>
+          </a:fillRef>
+          <a:effectRef idx="0">
+            <a:schemeClr val="dk1"/>
+          </a:effectRef>
+          <a:fontRef idx="minor">
+            <a:schemeClr val="tx1"/>
+          </a:fontRef>
+        </p:style>
+      </p:cxnSp>
+      <p:graphicFrame>
+        <p:nvGraphicFramePr>
+          <p:cNvPr id="21" name="표 20"/>
+          <p:cNvGraphicFramePr>
+            <a:graphicFrameLocks noGrp="1"/>
+          </p:cNvGraphicFramePr>
+          <p:nvPr>
+            <p:extLst>
+              <p:ext uri="{D42A27DB-BD31-4B8C-83A1-F6EECF244321}">
+                <p14:modId xmlns:p14="http://schemas.microsoft.com/office/powerpoint/2010/main" val="2200265037"/>
+              </p:ext>
+            </p:extLst>
+          </p:nvPr>
+        </p:nvGraphicFramePr>
+        <p:xfrm>
+          <a:off x="9448006" y="1214826"/>
+          <a:ext cx="4320480" cy="889000"/>
+        </p:xfrm>
+        <a:graphic>
+          <a:graphicData uri="http://schemas.openxmlformats.org/drawingml/2006/table">
+            <a:tbl>
+              <a:tblPr firstRow="1" bandRow="1">
+                <a:tableStyleId>{7DF18680-E054-41AD-8BC1-D1AEF772440D}</a:tableStyleId>
+              </a:tblPr>
+              <a:tblGrid>
+                <a:gridCol w="4320480"/>
+              </a:tblGrid>
+              <a:tr h="370840">
+                <a:tc>
+                  <a:txBody>
+                    <a:bodyPr/>
+                    <a:lstStyle/>
+                    <a:p>
+                      <a:pPr latinLnBrk="1"/>
+                      <a:r>
+                        <a:rPr lang="ko-KR" altLang="en-US" sz="1400" dirty="0" smtClean="0"/>
+                        <a:t>위치 </a:t>
+                      </a:r>
+                      <a:r>
+                        <a:rPr lang="en-US" altLang="ko-KR" sz="1400" dirty="0" smtClean="0"/>
+                        <a:t>(</a:t>
+                      </a:r>
+                      <a:r>
+                        <a:rPr lang="ko-KR" altLang="en-US" sz="1400" dirty="0" smtClean="0"/>
+                        <a:t>경도</a:t>
+                      </a:r>
+                      <a:r>
+                        <a:rPr lang="en-US" altLang="ko-KR" sz="1400" dirty="0" smtClean="0"/>
+                        <a:t>/</a:t>
+                      </a:r>
+                      <a:r>
+                        <a:rPr lang="ko-KR" altLang="en-US" sz="1400" dirty="0" smtClean="0"/>
+                        <a:t>위도</a:t>
+                      </a:r>
+                      <a:r>
+                        <a:rPr lang="en-US" altLang="ko-KR" sz="1400" dirty="0" smtClean="0"/>
+                        <a:t>) : </a:t>
+                      </a:r>
+                      <a:r>
+                        <a:rPr lang="ko-KR" altLang="en-US" sz="1400" dirty="0" smtClean="0"/>
+                        <a:t>집계구역 </a:t>
+                      </a:r>
+                      <a:r>
+                        <a:rPr lang="en-US" altLang="ko-KR" sz="1400" dirty="0" smtClean="0"/>
+                        <a:t>, </a:t>
+                      </a:r>
+                      <a:r>
+                        <a:rPr lang="ko-KR" altLang="en-US" sz="1400" dirty="0" smtClean="0"/>
+                        <a:t>백화점</a:t>
+                      </a:r>
+                      <a:endParaRPr lang="ko-KR" altLang="en-US" sz="1400" dirty="0"/>
+                    </a:p>
+                  </a:txBody>
+                  <a:tcPr/>
+                </a:tc>
+              </a:tr>
+              <a:tr h="370840">
+                <a:tc>
+                  <a:txBody>
+                    <a:bodyPr/>
+                    <a:lstStyle/>
+                    <a:p>
+                      <a:pPr marL="0" marR="0" indent="0" algn="l" defTabSz="914400" rtl="0" eaLnBrk="1" fontAlgn="auto" latinLnBrk="1" hangingPunct="1">
+                        <a:lnSpc>
+                          <a:spcPct val="100000"/>
+                        </a:lnSpc>
+                        <a:spcBef>
+                          <a:spcPts val="0"/>
+                        </a:spcBef>
+                        <a:spcAft>
+                          <a:spcPts val="0"/>
+                        </a:spcAft>
+                        <a:buClrTx/>
+                        <a:buSzTx/>
+                        <a:buFontTx/>
+                        <a:buNone/>
+                        <a:tabLst/>
+                        <a:defRPr/>
+                      </a:pPr>
+                      <a:r>
+                        <a:rPr lang="ko-KR" altLang="en-US" sz="1400" b="1" dirty="0" smtClean="0"/>
+                        <a:t>백화점 집계구역 설정</a:t>
+                      </a:r>
+                      <a:endParaRPr lang="en-US" altLang="ko-KR" sz="1400" b="1" dirty="0" smtClean="0"/>
+                    </a:p>
+                    <a:p>
+                      <a:pPr marL="0" marR="0" indent="0" algn="l" defTabSz="914400" rtl="0" eaLnBrk="1" fontAlgn="auto" latinLnBrk="1" hangingPunct="1">
+                        <a:lnSpc>
+                          <a:spcPct val="100000"/>
+                        </a:lnSpc>
+                        <a:spcBef>
+                          <a:spcPts val="0"/>
+                        </a:spcBef>
+                        <a:spcAft>
+                          <a:spcPts val="0"/>
+                        </a:spcAft>
+                        <a:buClrTx/>
+                        <a:buSzTx/>
+                        <a:buFontTx/>
+                        <a:buNone/>
+                        <a:tabLst/>
+                        <a:defRPr/>
+                      </a:pPr>
+                      <a:r>
+                        <a:rPr lang="ko-KR" altLang="en-US" sz="1400" b="1" dirty="0" smtClean="0"/>
+                        <a:t>거리기반 백화점 주변상권 정의</a:t>
+                      </a:r>
+                      <a:r>
+                        <a:rPr lang="ko-KR" altLang="en-US" sz="1400" b="1" baseline="0" dirty="0" smtClean="0"/>
+                        <a:t> 및 지정</a:t>
+                      </a:r>
+                      <a:endParaRPr lang="en-US" altLang="ko-KR" sz="1400" b="1" dirty="0" smtClean="0"/>
+                    </a:p>
+                  </a:txBody>
+                  <a:tcPr/>
+                </a:tc>
+              </a:tr>
+            </a:tbl>
+          </a:graphicData>
+        </a:graphic>
+      </p:graphicFrame>
+      <p:graphicFrame>
+        <p:nvGraphicFramePr>
+          <p:cNvPr id="27" name="표 26"/>
+          <p:cNvGraphicFramePr>
+            <a:graphicFrameLocks noGrp="1"/>
+          </p:cNvGraphicFramePr>
+          <p:nvPr>
+            <p:extLst>
+              <p:ext uri="{D42A27DB-BD31-4B8C-83A1-F6EECF244321}">
+                <p14:modId xmlns:p14="http://schemas.microsoft.com/office/powerpoint/2010/main" val="569107361"/>
+              </p:ext>
+            </p:extLst>
+          </p:nvPr>
+        </p:nvGraphicFramePr>
+        <p:xfrm>
+          <a:off x="9448006" y="2306715"/>
+          <a:ext cx="4320480" cy="2164794"/>
+        </p:xfrm>
+        <a:graphic>
+          <a:graphicData uri="http://schemas.openxmlformats.org/drawingml/2006/table">
+            <a:tbl>
+              <a:tblPr firstRow="1" bandRow="1">
+                <a:tableStyleId>{7DF18680-E054-41AD-8BC1-D1AEF772440D}</a:tableStyleId>
+              </a:tblPr>
+              <a:tblGrid>
+                <a:gridCol w="4320480"/>
+              </a:tblGrid>
+              <a:tr h="300246">
+                <a:tc>
+                  <a:txBody>
+                    <a:bodyPr/>
+                    <a:lstStyle/>
+                    <a:p>
+                      <a:r>
+                        <a:rPr lang="ko-KR" altLang="en-US" sz="1400" dirty="0" smtClean="0"/>
+                        <a:t>인구 정의</a:t>
+                      </a:r>
+                      <a:endParaRPr lang="en-US" altLang="ko-KR" sz="1400" dirty="0" smtClean="0"/>
+                    </a:p>
+                  </a:txBody>
+                  <a:tcPr/>
+                </a:tc>
+              </a:tr>
+              <a:tr h="1859994">
+                <a:tc>
+                  <a:txBody>
+                    <a:bodyPr/>
+                    <a:lstStyle/>
+                    <a:p>
+                      <a:pPr marL="0" marR="0" indent="0" algn="l" defTabSz="914400" rtl="0" eaLnBrk="1" fontAlgn="auto" latinLnBrk="1" hangingPunct="1">
+                        <a:lnSpc>
+                          <a:spcPct val="100000"/>
+                        </a:lnSpc>
+                        <a:spcBef>
+                          <a:spcPts val="0"/>
+                        </a:spcBef>
+                        <a:spcAft>
+                          <a:spcPts val="0"/>
+                        </a:spcAft>
+                        <a:buClrTx/>
+                        <a:buSzTx/>
+                        <a:buFontTx/>
+                        <a:buNone/>
+                        <a:tabLst/>
+                        <a:defRPr/>
+                      </a:pPr>
+                      <a:r>
+                        <a:rPr lang="ko-KR" altLang="en-US" sz="1400" b="1" dirty="0" smtClean="0"/>
+                        <a:t>집계구역 거주인구 정의</a:t>
+                      </a:r>
+                      <a:endParaRPr lang="en-US" altLang="ko-KR" sz="1400" b="1" dirty="0" smtClean="0"/>
+                    </a:p>
+                    <a:p>
+                      <a:pPr marL="0" marR="0" indent="0" algn="l" defTabSz="914400" rtl="0" eaLnBrk="1" fontAlgn="auto" latinLnBrk="1" hangingPunct="1">
+                        <a:lnSpc>
+                          <a:spcPct val="100000"/>
+                        </a:lnSpc>
+                        <a:spcBef>
+                          <a:spcPts val="0"/>
+                        </a:spcBef>
+                        <a:spcAft>
+                          <a:spcPts val="0"/>
+                        </a:spcAft>
+                        <a:buClrTx/>
+                        <a:buSzTx/>
+                        <a:buFontTx/>
+                        <a:buNone/>
+                        <a:tabLst/>
+                        <a:defRPr/>
+                      </a:pPr>
+                      <a:r>
+                        <a:rPr lang="ko-KR" altLang="en-US" sz="1400" b="1" dirty="0" smtClean="0"/>
+                        <a:t>측정기준</a:t>
+                      </a:r>
+                      <a:endParaRPr lang="en-US" altLang="ko-KR" sz="1400" b="1" dirty="0" smtClean="0"/>
+                    </a:p>
+                    <a:p>
+                      <a:pPr marL="0" marR="0" indent="0" algn="l" defTabSz="914400" rtl="0" eaLnBrk="1" fontAlgn="auto" latinLnBrk="1" hangingPunct="1">
+                        <a:lnSpc>
+                          <a:spcPct val="100000"/>
+                        </a:lnSpc>
+                        <a:spcBef>
+                          <a:spcPts val="0"/>
+                        </a:spcBef>
+                        <a:spcAft>
+                          <a:spcPts val="0"/>
+                        </a:spcAft>
+                        <a:buClrTx/>
+                        <a:buSzTx/>
+                        <a:buFontTx/>
+                        <a:buNone/>
+                        <a:tabLst/>
+                        <a:defRPr/>
+                      </a:pPr>
+                      <a:r>
+                        <a:rPr lang="ko-KR" altLang="en-US" sz="1400" b="1" dirty="0" smtClean="0"/>
+                        <a:t> </a:t>
+                      </a:r>
+                      <a:r>
+                        <a:rPr lang="en-US" altLang="ko-KR" sz="1400" b="1" dirty="0" smtClean="0"/>
+                        <a:t>1.</a:t>
+                      </a:r>
+                      <a:r>
+                        <a:rPr lang="ko-KR" altLang="en-US" sz="1400" b="1" dirty="0" smtClean="0"/>
+                        <a:t> 새벽 </a:t>
+                      </a:r>
+                      <a:r>
+                        <a:rPr lang="en-US" altLang="ko-KR" sz="1400" b="1" dirty="0" smtClean="0"/>
+                        <a:t>2</a:t>
+                      </a:r>
+                      <a:r>
+                        <a:rPr lang="ko-KR" altLang="en-US" sz="1400" b="1" dirty="0" smtClean="0"/>
+                        <a:t>시 </a:t>
+                      </a:r>
+                      <a:r>
+                        <a:rPr lang="en-US" altLang="ko-KR" sz="1400" b="1" dirty="0" smtClean="0"/>
+                        <a:t>~ 5</a:t>
+                      </a:r>
+                      <a:r>
+                        <a:rPr lang="ko-KR" altLang="en-US" sz="1400" b="1" dirty="0" smtClean="0"/>
+                        <a:t>시</a:t>
+                      </a:r>
+                      <a:r>
+                        <a:rPr lang="en-US" altLang="ko-KR" sz="1400" b="1" dirty="0" smtClean="0"/>
+                        <a:t> </a:t>
+                      </a:r>
+                      <a:r>
+                        <a:rPr lang="ko-KR" altLang="en-US" sz="1400" b="1" dirty="0" smtClean="0"/>
+                        <a:t>시간대 측정인구</a:t>
+                      </a:r>
+                      <a:r>
+                        <a:rPr lang="ko-KR" altLang="en-US" sz="1400" b="1" baseline="0" dirty="0" smtClean="0"/>
+                        <a:t> 수 </a:t>
+                      </a:r>
+                      <a:r>
+                        <a:rPr lang="ko-KR" altLang="en-US" sz="1400" b="1" dirty="0" smtClean="0"/>
+                        <a:t>평균</a:t>
+                      </a:r>
+                      <a:endParaRPr lang="en-US" altLang="ko-KR" sz="1400" b="1" dirty="0" smtClean="0"/>
+                    </a:p>
+                    <a:p>
+                      <a:pPr marL="0" marR="0" indent="0" algn="l" defTabSz="914400" rtl="0" eaLnBrk="1" fontAlgn="auto" latinLnBrk="1" hangingPunct="1">
+                        <a:lnSpc>
+                          <a:spcPct val="100000"/>
+                        </a:lnSpc>
+                        <a:spcBef>
+                          <a:spcPts val="0"/>
+                        </a:spcBef>
+                        <a:spcAft>
+                          <a:spcPts val="0"/>
+                        </a:spcAft>
+                        <a:buClrTx/>
+                        <a:buSzTx/>
+                        <a:buFontTx/>
+                        <a:buNone/>
+                        <a:tabLst/>
+                        <a:defRPr/>
+                      </a:pPr>
+                      <a:r>
+                        <a:rPr lang="en-US" altLang="ko-KR" sz="1400" b="1" baseline="0" dirty="0" smtClean="0"/>
+                        <a:t> 2. </a:t>
+                      </a:r>
+                      <a:r>
+                        <a:rPr lang="en-US" altLang="ko-KR" sz="1400" b="1" dirty="0" smtClean="0"/>
+                        <a:t>3</a:t>
+                      </a:r>
+                      <a:r>
+                        <a:rPr lang="ko-KR" altLang="en-US" sz="1400" b="1" dirty="0" smtClean="0"/>
+                        <a:t>개월</a:t>
+                      </a:r>
+                      <a:r>
+                        <a:rPr lang="ko-KR" altLang="en-US" sz="1400" b="1" baseline="0" dirty="0" smtClean="0"/>
+                        <a:t> 단위로 거주인구 </a:t>
+                      </a:r>
+                      <a:r>
+                        <a:rPr lang="ko-KR" altLang="en-US" sz="1400" b="1" baseline="0" dirty="0" err="1" smtClean="0"/>
+                        <a:t>재측정</a:t>
+                      </a:r>
+                      <a:endParaRPr lang="en-US" altLang="ko-KR" sz="1400" b="1" baseline="0" dirty="0" smtClean="0"/>
+                    </a:p>
+                    <a:p>
+                      <a:pPr marL="0" marR="0" indent="0" algn="l" defTabSz="914400" rtl="0" eaLnBrk="1" fontAlgn="auto" latinLnBrk="1" hangingPunct="1">
+                        <a:lnSpc>
+                          <a:spcPct val="100000"/>
+                        </a:lnSpc>
+                        <a:spcBef>
+                          <a:spcPts val="0"/>
+                        </a:spcBef>
+                        <a:spcAft>
+                          <a:spcPts val="0"/>
+                        </a:spcAft>
+                        <a:buClrTx/>
+                        <a:buSzTx/>
+                        <a:buFontTx/>
+                        <a:buNone/>
+                        <a:tabLst/>
+                        <a:defRPr/>
+                      </a:pPr>
+                      <a:endParaRPr lang="en-US" altLang="ko-KR" sz="1400" b="1" dirty="0" smtClean="0"/>
+                    </a:p>
+                    <a:p>
+                      <a:pPr marL="0" marR="0" indent="0" algn="l" defTabSz="914400" rtl="0" eaLnBrk="1" fontAlgn="auto" latinLnBrk="1" hangingPunct="1">
+                        <a:lnSpc>
+                          <a:spcPct val="100000"/>
+                        </a:lnSpc>
+                        <a:spcBef>
+                          <a:spcPts val="0"/>
+                        </a:spcBef>
+                        <a:spcAft>
+                          <a:spcPts val="0"/>
+                        </a:spcAft>
+                        <a:buClrTx/>
+                        <a:buSzTx/>
+                        <a:buFontTx/>
+                        <a:buNone/>
+                        <a:tabLst/>
+                        <a:defRPr/>
+                      </a:pPr>
+                      <a:r>
+                        <a:rPr lang="ko-KR" altLang="en-US" sz="1400" b="1" dirty="0" smtClean="0"/>
+                        <a:t>백화점 방문객 </a:t>
+                      </a:r>
+                      <a:endParaRPr lang="en-US" altLang="ko-KR" sz="1400" b="1" dirty="0" smtClean="0"/>
+                    </a:p>
+                    <a:p>
+                      <a:pPr marL="0" marR="0" indent="0" algn="l" defTabSz="914400" rtl="0" eaLnBrk="1" fontAlgn="auto" latinLnBrk="1" hangingPunct="1">
+                        <a:lnSpc>
+                          <a:spcPct val="100000"/>
+                        </a:lnSpc>
+                        <a:spcBef>
+                          <a:spcPts val="0"/>
+                        </a:spcBef>
+                        <a:spcAft>
+                          <a:spcPts val="0"/>
+                        </a:spcAft>
+                        <a:buClrTx/>
+                        <a:buSzTx/>
+                        <a:buFontTx/>
+                        <a:buNone/>
+                        <a:tabLst/>
+                        <a:defRPr/>
+                      </a:pPr>
+                      <a:r>
+                        <a:rPr lang="ko-KR" altLang="en-US" sz="1400" b="1" dirty="0" smtClean="0"/>
+                        <a:t>주말</a:t>
+                      </a:r>
+                      <a:r>
+                        <a:rPr lang="en-US" altLang="ko-KR" sz="1400" b="1" dirty="0" smtClean="0"/>
+                        <a:t>/</a:t>
+                      </a:r>
+                      <a:r>
+                        <a:rPr lang="ko-KR" altLang="en-US" sz="1400" b="1" dirty="0" smtClean="0"/>
+                        <a:t>공휴일에 백화점 집계구역 인구 수 </a:t>
+                      </a:r>
+                      <a:endParaRPr lang="en-US" altLang="ko-KR" sz="1400" b="1" dirty="0" smtClean="0"/>
+                    </a:p>
+                    <a:p>
+                      <a:r>
+                        <a:rPr lang="en-US" altLang="ko-KR" sz="1400" b="1" dirty="0" smtClean="0"/>
+                        <a:t>* </a:t>
+                      </a:r>
+                      <a:r>
+                        <a:rPr lang="ko-KR" altLang="en-US" sz="1400" b="1" dirty="0" smtClean="0"/>
+                        <a:t>집계구역 거주인구</a:t>
+                      </a:r>
+                      <a:r>
+                        <a:rPr lang="ko-KR" altLang="en-US" sz="1400" b="1" baseline="0" dirty="0" smtClean="0"/>
+                        <a:t> 제외 </a:t>
+                      </a:r>
+                      <a:endParaRPr lang="en-US" altLang="ko-KR" sz="1400" dirty="0" smtClean="0"/>
+                    </a:p>
+                  </a:txBody>
+                  <a:tcPr/>
+                </a:tc>
+              </a:tr>
+            </a:tbl>
+          </a:graphicData>
+        </a:graphic>
+      </p:graphicFrame>
+      <p:graphicFrame>
+        <p:nvGraphicFramePr>
+          <p:cNvPr id="30" name="표 29"/>
+          <p:cNvGraphicFramePr>
+            <a:graphicFrameLocks noGrp="1"/>
+          </p:cNvGraphicFramePr>
+          <p:nvPr>
+            <p:extLst>
+              <p:ext uri="{D42A27DB-BD31-4B8C-83A1-F6EECF244321}">
+                <p14:modId xmlns:p14="http://schemas.microsoft.com/office/powerpoint/2010/main" val="3310748776"/>
+              </p:ext>
+            </p:extLst>
+          </p:nvPr>
+        </p:nvGraphicFramePr>
+        <p:xfrm>
+          <a:off x="9448006" y="4610970"/>
+          <a:ext cx="4320480" cy="889000"/>
+        </p:xfrm>
+        <a:graphic>
+          <a:graphicData uri="http://schemas.openxmlformats.org/drawingml/2006/table">
+            <a:tbl>
+              <a:tblPr firstRow="1" bandRow="1">
+                <a:tableStyleId>{7DF18680-E054-41AD-8BC1-D1AEF772440D}</a:tableStyleId>
+              </a:tblPr>
+              <a:tblGrid>
+                <a:gridCol w="4320480"/>
+              </a:tblGrid>
+              <a:tr h="370840">
+                <a:tc>
+                  <a:txBody>
+                    <a:bodyPr/>
+                    <a:lstStyle/>
+                    <a:p>
+                      <a:pPr latinLnBrk="1"/>
+                      <a:r>
+                        <a:rPr lang="ko-KR" altLang="en-US" sz="1400" dirty="0" smtClean="0"/>
+                        <a:t>날씨</a:t>
+                      </a:r>
+                      <a:endParaRPr lang="ko-KR" altLang="en-US" sz="1400" dirty="0"/>
+                    </a:p>
+                  </a:txBody>
+                  <a:tcPr/>
+                </a:tc>
+              </a:tr>
+              <a:tr h="370840">
+                <a:tc>
+                  <a:txBody>
+                    <a:bodyPr/>
+                    <a:lstStyle/>
+                    <a:p>
+                      <a:pPr marL="0" marR="0" indent="0" algn="l" defTabSz="914400" rtl="0" eaLnBrk="1" fontAlgn="auto" latinLnBrk="1" hangingPunct="1">
+                        <a:lnSpc>
+                          <a:spcPct val="100000"/>
+                        </a:lnSpc>
+                        <a:spcBef>
+                          <a:spcPts val="0"/>
+                        </a:spcBef>
+                        <a:spcAft>
+                          <a:spcPts val="0"/>
+                        </a:spcAft>
+                        <a:buClrTx/>
+                        <a:buSzTx/>
+                        <a:buFontTx/>
+                        <a:buNone/>
+                        <a:tabLst/>
+                        <a:defRPr/>
+                      </a:pPr>
+                      <a:r>
+                        <a:rPr lang="ko-KR" altLang="en-US" sz="1400" b="1" dirty="0" smtClean="0"/>
+                        <a:t>미세먼지</a:t>
+                      </a:r>
+                      <a:r>
+                        <a:rPr lang="ko-KR" altLang="en-US" sz="1400" b="1" baseline="0" dirty="0" smtClean="0"/>
+                        <a:t> 종합지수 </a:t>
+                      </a:r>
+                      <a:r>
+                        <a:rPr lang="en-US" altLang="ko-KR" sz="1400" b="1" baseline="0" dirty="0" smtClean="0"/>
+                        <a:t>4</a:t>
+                      </a:r>
+                      <a:r>
+                        <a:rPr lang="ko-KR" altLang="en-US" sz="1400" b="1" baseline="0" dirty="0" smtClean="0"/>
+                        <a:t>이상 </a:t>
+                      </a:r>
+                      <a:r>
+                        <a:rPr lang="en-US" altLang="ko-KR" sz="1400" b="1" baseline="0" dirty="0" smtClean="0"/>
+                        <a:t>: </a:t>
+                      </a:r>
+                      <a:r>
+                        <a:rPr lang="ko-KR" altLang="en-US" sz="1400" b="1" baseline="0" dirty="0" smtClean="0"/>
+                        <a:t>나쁨 </a:t>
+                      </a:r>
+                      <a:endParaRPr lang="en-US" altLang="ko-KR" sz="1400" b="1" baseline="0" dirty="0" smtClean="0"/>
+                    </a:p>
+                    <a:p>
+                      <a:pPr marL="0" marR="0" indent="0" algn="l" defTabSz="914400" rtl="0" eaLnBrk="1" fontAlgn="auto" latinLnBrk="1" hangingPunct="1">
+                        <a:lnSpc>
+                          <a:spcPct val="100000"/>
+                        </a:lnSpc>
+                        <a:spcBef>
+                          <a:spcPts val="0"/>
+                        </a:spcBef>
+                        <a:spcAft>
+                          <a:spcPts val="0"/>
+                        </a:spcAft>
+                        <a:buClrTx/>
+                        <a:buSzTx/>
+                        <a:buFontTx/>
+                        <a:buNone/>
+                        <a:tabLst/>
+                        <a:defRPr/>
+                      </a:pPr>
+                      <a:r>
+                        <a:rPr lang="ko-KR" altLang="en-US" sz="1400" b="1" dirty="0" smtClean="0"/>
+                        <a:t>비</a:t>
+                      </a:r>
+                      <a:r>
+                        <a:rPr lang="en-US" altLang="ko-KR" sz="1400" b="1" dirty="0" smtClean="0"/>
+                        <a:t>/</a:t>
+                      </a:r>
+                      <a:r>
+                        <a:rPr lang="ko-KR" altLang="en-US" sz="1400" b="1" dirty="0" smtClean="0"/>
+                        <a:t>눈 </a:t>
+                      </a:r>
+                      <a:r>
+                        <a:rPr lang="en-US" altLang="ko-KR" sz="1400" b="1" dirty="0" smtClean="0"/>
+                        <a:t>: </a:t>
+                      </a:r>
+                      <a:r>
+                        <a:rPr lang="ko-KR" altLang="en-US" sz="1400" b="1" dirty="0" smtClean="0"/>
+                        <a:t>외출하기 어려운 정도의 지수 </a:t>
+                      </a:r>
+                      <a:r>
+                        <a:rPr lang="en-US" altLang="ko-KR" sz="1400" b="1" dirty="0" smtClean="0"/>
+                        <a:t>: </a:t>
+                      </a:r>
+                      <a:r>
+                        <a:rPr lang="ko-KR" altLang="en-US" sz="1400" b="1" dirty="0" smtClean="0"/>
+                        <a:t>나쁨</a:t>
+                      </a:r>
+                      <a:endParaRPr lang="en-US" altLang="ko-KR" sz="1400" b="1" dirty="0" smtClean="0"/>
+                    </a:p>
+                  </a:txBody>
+                  <a:tcPr/>
+                </a:tc>
+              </a:tr>
+            </a:tbl>
+          </a:graphicData>
+        </a:graphic>
+      </p:graphicFrame>
     </p:spTree>
     <p:extLst>
       <p:ext uri="{BB962C8B-B14F-4D97-AF65-F5344CB8AC3E}">
@@ -6190,7 +7584,7 @@
 </p:sld>
 </file>
 
-<file path=ppt/slides/slide11.xml><?xml version="1.0" encoding="utf-8"?>
+<file path=ppt/slides/slide12.xml><?xml version="1.0" encoding="utf-8"?>
 <p:sld xmlns:a="http://schemas.openxmlformats.org/drawingml/2006/main" xmlns:r="http://schemas.openxmlformats.org/officeDocument/2006/relationships" xmlns:p="http://schemas.openxmlformats.org/presentationml/2006/main">
   <p:cSld>
     <p:bg>
@@ -6626,7 +8020,7 @@
 </p:sld>
 </file>
 
-<file path=ppt/slides/slide12.xml><?xml version="1.0" encoding="utf-8"?>
+<file path=ppt/slides/slide13.xml><?xml version="1.0" encoding="utf-8"?>
 <p:sld xmlns:a="http://schemas.openxmlformats.org/drawingml/2006/main" xmlns:r="http://schemas.openxmlformats.org/officeDocument/2006/relationships" xmlns:p="http://schemas.openxmlformats.org/presentationml/2006/main">
   <p:cSld>
     <p:bg>
@@ -13912,6 +15306,56 @@
       </p:sp>
       <p:sp>
         <p:nvSpPr>
+          <p:cNvPr id="23" name="TextBox 22"/>
+          <p:cNvSpPr txBox="1"/>
+          <p:nvPr/>
+        </p:nvSpPr>
+        <p:spPr>
+          <a:xfrm>
+            <a:off x="706502" y="1888788"/>
+            <a:ext cx="8595091" cy="923330"/>
+          </a:xfrm>
+          <a:prstGeom prst="rect">
+            <a:avLst/>
+          </a:prstGeom>
+          <a:noFill/>
+        </p:spPr>
+        <p:txBody>
+          <a:bodyPr wrap="square" rtlCol="0">
+            <a:spAutoFit/>
+          </a:bodyPr>
+          <a:lstStyle/>
+          <a:p>
+            <a:pPr marL="457200" indent="-457200" latinLnBrk="0">
+              <a:lnSpc>
+                <a:spcPct val="150000"/>
+              </a:lnSpc>
+              <a:buAutoNum type="arabicPeriod"/>
+            </a:pPr>
+            <a:r>
+              <a:rPr lang="ko-KR" altLang="en-US" b="1" dirty="0" smtClean="0"/>
+              <a:t>기상 조건</a:t>
+            </a:r>
+            <a:endParaRPr lang="en-US" altLang="ko-KR" b="1" dirty="0" smtClean="0"/>
+          </a:p>
+          <a:p>
+            <a:pPr marL="914400" lvl="1" indent="-457200" latinLnBrk="0">
+              <a:lnSpc>
+                <a:spcPct val="150000"/>
+              </a:lnSpc>
+              <a:buFont typeface="Arial" panose="020B0604020202020204" pitchFamily="34" charset="0"/>
+              <a:buChar char="•"/>
+            </a:pPr>
+            <a:r>
+              <a:rPr lang="ko-KR" altLang="en-US" b="1" dirty="0" smtClean="0"/>
+              <a:t>인구</a:t>
+            </a:r>
+            <a:endParaRPr lang="en-US" altLang="ko-KR" b="1" dirty="0" smtClean="0"/>
+          </a:p>
+        </p:txBody>
+      </p:sp>
+      <p:sp>
+        <p:nvSpPr>
           <p:cNvPr id="24" name="TextBox 23"/>
           <p:cNvSpPr txBox="1"/>
           <p:nvPr/>
@@ -14739,92 +16183,26 @@
           </p:cNvPicPr>
           <p:nvPr/>
         </p:nvPicPr>
-        <p:blipFill rotWithShape="1">
+        <p:blipFill>
           <a:blip r:embed="rId3"/>
-          <a:srcRect l="1984" t="4885" r="4027" b="3665"/>
-          <a:stretch/>
+          <a:stretch>
+            <a:fillRect/>
+          </a:stretch>
         </p:blipFill>
         <p:spPr>
           <a:xfrm>
-            <a:off x="1134852" y="1933733"/>
-            <a:ext cx="5184576" cy="3943539"/>
+            <a:off x="1045276" y="2424448"/>
+            <a:ext cx="7110735" cy="3755678"/>
           </a:xfrm>
           <a:prstGeom prst="rect">
             <a:avLst/>
           </a:prstGeom>
         </p:spPr>
       </p:pic>
-      <p:sp>
-        <p:nvSpPr>
-          <p:cNvPr id="25" name="TextBox 24"/>
-          <p:cNvSpPr txBox="1"/>
-          <p:nvPr/>
-        </p:nvSpPr>
-        <p:spPr>
-          <a:xfrm>
-            <a:off x="850518" y="5386248"/>
-            <a:ext cx="7825938" cy="869790"/>
-          </a:xfrm>
-          <a:prstGeom prst="rect">
-            <a:avLst/>
-          </a:prstGeom>
-          <a:noFill/>
-        </p:spPr>
-        <p:txBody>
-          <a:bodyPr wrap="square" rtlCol="0">
-            <a:spAutoFit/>
-          </a:bodyPr>
-          <a:lstStyle/>
-          <a:p>
-            <a:pPr algn="r" latinLnBrk="0">
-              <a:lnSpc>
-                <a:spcPct val="150000"/>
-              </a:lnSpc>
-            </a:pPr>
-            <a:r>
-              <a:rPr lang="ko-KR" altLang="en-US" b="1" dirty="0" smtClean="0"/>
-              <a:t>약 </a:t>
-            </a:r>
-            <a:r>
-              <a:rPr lang="en-US" altLang="ko-KR" b="1" dirty="0" smtClean="0"/>
-              <a:t>19,000</a:t>
-            </a:r>
-            <a:r>
-              <a:rPr lang="ko-KR" altLang="en-US" b="1" dirty="0" smtClean="0"/>
-              <a:t>개의 </a:t>
-            </a:r>
-            <a:r>
-              <a:rPr lang="ko-KR" altLang="en-US" b="1" dirty="0" err="1" smtClean="0"/>
-              <a:t>집계구</a:t>
-            </a:r>
-            <a:endParaRPr lang="en-US" altLang="ko-KR" b="1" dirty="0"/>
-          </a:p>
-          <a:p>
-            <a:pPr algn="r" latinLnBrk="0">
-              <a:lnSpc>
-                <a:spcPct val="150000"/>
-              </a:lnSpc>
-            </a:pPr>
-            <a:r>
-              <a:rPr lang="ko-KR" altLang="en-US" b="1" dirty="0" smtClean="0"/>
-              <a:t>서울시 </a:t>
-            </a:r>
-            <a:r>
-              <a:rPr lang="en-US" altLang="ko-KR" b="1" dirty="0" smtClean="0"/>
-              <a:t>24</a:t>
-            </a:r>
-            <a:r>
-              <a:rPr lang="ko-KR" altLang="en-US" b="1" dirty="0" smtClean="0"/>
-              <a:t>개 구를 인구 수준 등으로 세분화</a:t>
-            </a:r>
-            <a:endParaRPr lang="en-US" altLang="ko-KR" b="1" dirty="0" smtClean="0"/>
-          </a:p>
-        </p:txBody>
-      </p:sp>
     </p:spTree>
     <p:extLst>
       <p:ext uri="{BB962C8B-B14F-4D97-AF65-F5344CB8AC3E}">
-        <p14:creationId xmlns:p14="http://schemas.microsoft.com/office/powerpoint/2010/main" val="1277475319"/>
+        <p14:creationId xmlns:p14="http://schemas.microsoft.com/office/powerpoint/2010/main" val="2595899212"/>
       </p:ext>
     </p:extLst>
   </p:cSld>
